--- a/资料/课件/OC/OC语言-1.8-类别Category.pptx
+++ b/资料/课件/OC/OC语言-1.8-类别Category.pptx
@@ -5,18 +5,25 @@
     <p:sldMasterId id="2147488748" r:id="rId1"/>
   </p:sldMasterIdLst>
   <p:notesMasterIdLst>
-    <p:notesMasterId r:id="rId3"/>
+    <p:notesMasterId r:id="rId10"/>
   </p:notesMasterIdLst>
   <p:handoutMasterIdLst>
-    <p:handoutMasterId r:id="rId4"/>
+    <p:handoutMasterId r:id="rId11"/>
   </p:handoutMasterIdLst>
   <p:sldIdLst>
     <p:sldId id="1551" r:id="rId2"/>
+    <p:sldId id="1552" r:id="rId3"/>
+    <p:sldId id="1553" r:id="rId4"/>
+    <p:sldId id="1554" r:id="rId5"/>
+    <p:sldId id="1555" r:id="rId6"/>
+    <p:sldId id="1556" r:id="rId7"/>
+    <p:sldId id="1557" r:id="rId8"/>
+    <p:sldId id="1558" r:id="rId9"/>
   </p:sldIdLst>
   <p:sldSz cx="9144000" cy="6858000" type="screen4x3"/>
   <p:notesSz cx="6797675" cy="9874250"/>
   <p:custDataLst>
-    <p:tags r:id="rId6"/>
+    <p:tags r:id="rId13"/>
   </p:custDataLst>
   <p:defaultTextStyle>
     <a:defPPr>
@@ -149,12 +156,19 @@
         <p14:section name="Default Section" id="{5009879F-230C-4AAA-9B60-41FFDFBA99F4}">
           <p14:sldIdLst>
             <p14:sldId id="1551"/>
+            <p14:sldId id="1552"/>
+            <p14:sldId id="1553"/>
+            <p14:sldId id="1554"/>
+            <p14:sldId id="1555"/>
+            <p14:sldId id="1556"/>
+            <p14:sldId id="1557"/>
+            <p14:sldId id="1558"/>
           </p14:sldIdLst>
         </p14:section>
       </p14:sectionLst>
     </p:ext>
     <p:ext uri="{EFAFB233-063F-42B5-8137-9DF3F51BA10A}">
-      <p15:sldGuideLst xmlns:p15="http://schemas.microsoft.com/office/powerpoint/2012/main" xmlns="">
+      <p15:sldGuideLst xmlns="" xmlns:p15="http://schemas.microsoft.com/office/powerpoint/2012/main">
         <p15:guide id="1" orient="horz">
           <p15:clr>
             <a:srgbClr val="A4A3A4"/>
@@ -168,7 +182,7 @@
       </p15:sldGuideLst>
     </p:ext>
     <p:ext uri="{2D200454-40CA-4A62-9FC3-DE9A4176ACB9}">
-      <p15:notesGuideLst xmlns:p15="http://schemas.microsoft.com/office/powerpoint/2012/main" xmlns="">
+      <p15:notesGuideLst xmlns="" xmlns:p15="http://schemas.microsoft.com/office/powerpoint/2012/main">
         <p15:guide id="1" orient="horz" pos="3109">
           <p15:clr>
             <a:srgbClr val="A4A3A4"/>
@@ -272,7 +286,7 @@
                 <a:ea typeface="微软雅黑" pitchFamily="34" charset="-122"/>
               </a:rPr>
               <a:pPr/>
-              <a:t>15/3/16</a:t>
+              <a:t>15/3/23</a:t>
             </a:fld>
             <a:endParaRPr lang="zh-CN" altLang="en-US" dirty="0">
               <a:ea typeface="微软雅黑" pitchFamily="34" charset="-122"/>
@@ -476,7 +490,7 @@
             <a:fld id="{DF9E65B2-A0B4-4242-9432-201E84F17494}" type="datetime1">
               <a:rPr lang="en-US" smtClean="0"/>
               <a:pPr/>
-              <a:t>15/3/16</a:t>
+              <a:t>15/3/23</a:t>
             </a:fld>
             <a:endParaRPr lang="en-US" dirty="0"/>
           </a:p>
@@ -1405,7 +1419,7 @@
             <a:fld id="{055FF6D4-D4D7-426A-98F7-170A3668379E}" type="datetime1">
               <a:rPr lang="en-US" smtClean="0"/>
               <a:pPr/>
-              <a:t>15/3/16</a:t>
+              <a:t>15/3/23</a:t>
             </a:fld>
             <a:endParaRPr lang="en-US" dirty="0"/>
           </a:p>
@@ -2032,7 +2046,7 @@
             <a:fld id="{74CBEAF9-9E58-4CC8-A6FF-6DD8A58DEEA4}" type="datetimeFigureOut">
               <a:rPr lang="en-US" smtClean="0"/>
               <a:pPr eaLnBrk="1" latinLnBrk="0" hangingPunct="1"/>
-              <a:t>15/3/16</a:t>
+              <a:t>15/3/23</a:t>
             </a:fld>
             <a:endParaRPr lang="en-US"/>
           </a:p>
@@ -2550,7 +2564,7 @@
             <a:fld id="{74CBEAF9-9E58-4CC8-A6FF-6DD8A58DEEA4}" type="datetimeFigureOut">
               <a:rPr lang="en-US" smtClean="0"/>
               <a:pPr algn="l" eaLnBrk="1" latinLnBrk="0" hangingPunct="1"/>
-              <a:t>15/3/16</a:t>
+              <a:t>15/3/23</a:t>
             </a:fld>
             <a:endParaRPr lang="en-US" dirty="0">
               <a:solidFill>
@@ -3085,7 +3099,7 @@
             <a:fld id="{74CBEAF9-9E58-4CC8-A6FF-6DD8A58DEEA4}" type="datetimeFigureOut">
               <a:rPr lang="en-US" smtClean="0"/>
               <a:pPr algn="l" eaLnBrk="1" latinLnBrk="0" hangingPunct="1"/>
-              <a:t>15/3/16</a:t>
+              <a:t>15/3/23</a:t>
             </a:fld>
             <a:endParaRPr lang="en-US" dirty="0">
               <a:solidFill>
@@ -3921,7 +3935,7 @@
             <a:fld id="{74CBEAF9-9E58-4CC8-A6FF-6DD8A58DEEA4}" type="datetimeFigureOut">
               <a:rPr lang="en-US" smtClean="0"/>
               <a:pPr eaLnBrk="1" latinLnBrk="0" hangingPunct="1"/>
-              <a:t>15/3/16</a:t>
+              <a:t>15/3/23</a:t>
             </a:fld>
             <a:endParaRPr lang="en-US"/>
           </a:p>
@@ -4503,7 +4517,7 @@
             <a:fld id="{42295D47-465E-4A05-802B-049480555B6D}" type="datetime1">
               <a:rPr lang="en-US" smtClean="0"/>
               <a:pPr/>
-              <a:t>15/3/16</a:t>
+              <a:t>15/3/23</a:t>
             </a:fld>
             <a:endParaRPr lang="en-US"/>
           </a:p>
@@ -5134,7 +5148,7 @@
             <a:fld id="{74CBEAF9-9E58-4CC8-A6FF-6DD8A58DEEA4}" type="datetimeFigureOut">
               <a:rPr lang="en-US" smtClean="0"/>
               <a:pPr algn="l" eaLnBrk="1" latinLnBrk="0" hangingPunct="1"/>
-              <a:t>15/3/16</a:t>
+              <a:t>15/3/23</a:t>
             </a:fld>
             <a:endParaRPr lang="en-US" dirty="0">
               <a:solidFill>
@@ -5916,7 +5930,7 @@
             <a:fld id="{74CBEAF9-9E58-4CC8-A6FF-6DD8A58DEEA4}" type="datetimeFigureOut">
               <a:rPr lang="en-US" smtClean="0"/>
               <a:pPr eaLnBrk="1" latinLnBrk="0" hangingPunct="1"/>
-              <a:t>15/3/16</a:t>
+              <a:t>15/3/23</a:t>
             </a:fld>
             <a:endParaRPr lang="en-US"/>
           </a:p>
@@ -6377,7 +6391,7 @@
             <a:fld id="{74CBEAF9-9E58-4CC8-A6FF-6DD8A58DEEA4}" type="datetimeFigureOut">
               <a:rPr lang="en-US" smtClean="0"/>
               <a:pPr eaLnBrk="1" latinLnBrk="0" hangingPunct="1"/>
-              <a:t>15/3/16</a:t>
+              <a:t>15/3/23</a:t>
             </a:fld>
             <a:endParaRPr lang="en-US"/>
           </a:p>
@@ -6806,7 +6820,7 @@
             <a:fld id="{74CBEAF9-9E58-4CC8-A6FF-6DD8A58DEEA4}" type="datetimeFigureOut">
               <a:rPr lang="en-US" smtClean="0"/>
               <a:pPr eaLnBrk="1" latinLnBrk="0" hangingPunct="1"/>
-              <a:t>15/3/16</a:t>
+              <a:t>15/3/23</a:t>
             </a:fld>
             <a:endParaRPr lang="en-US"/>
           </a:p>
@@ -7427,7 +7441,7 @@
             <a:fld id="{74CBEAF9-9E58-4CC8-A6FF-6DD8A58DEEA4}" type="datetimeFigureOut">
               <a:rPr lang="en-US" smtClean="0"/>
               <a:pPr eaLnBrk="1" latinLnBrk="0" hangingPunct="1"/>
-              <a:t>15/3/16</a:t>
+              <a:t>15/3/23</a:t>
             </a:fld>
             <a:endParaRPr lang="en-US"/>
           </a:p>
@@ -7692,7 +7706,7 @@
             <a:fld id="{74CBEAF9-9E58-4CC8-A6FF-6DD8A58DEEA4}" type="datetimeFigureOut">
               <a:rPr lang="en-US" smtClean="0"/>
               <a:pPr algn="l" eaLnBrk="1" latinLnBrk="0" hangingPunct="1"/>
-              <a:t>15/3/16</a:t>
+              <a:t>15/3/23</a:t>
             </a:fld>
             <a:endParaRPr lang="en-US" dirty="0">
               <a:solidFill>
@@ -8456,6 +8470,1701 @@
     <p:extLst>
       <p:ext uri="{BB962C8B-B14F-4D97-AF65-F5344CB8AC3E}">
         <p14:creationId xmlns:p14="http://schemas.microsoft.com/office/powerpoint/2010/main" val="2973930980"/>
+      </p:ext>
+    </p:extLst>
+  </p:cSld>
+  <p:clrMapOvr>
+    <a:masterClrMapping/>
+  </p:clrMapOvr>
+  <p:timing>
+    <p:tnLst>
+      <p:par>
+        <p:cTn xmlns:p14="http://schemas.microsoft.com/office/powerpoint/2010/main" id="1" dur="indefinite" restart="never" nodeType="tmRoot"/>
+      </p:par>
+    </p:tnLst>
+  </p:timing>
+</p:sld>
+</file>
+
+<file path=ppt/slides/slide2.xml><?xml version="1.0" encoding="utf-8"?>
+<p:sld xmlns:a="http://schemas.openxmlformats.org/drawingml/2006/main" xmlns:r="http://schemas.openxmlformats.org/officeDocument/2006/relationships" xmlns:p="http://schemas.openxmlformats.org/presentationml/2006/main">
+  <p:cSld>
+    <p:spTree>
+      <p:nvGrpSpPr>
+        <p:cNvPr id="1" name=""/>
+        <p:cNvGrpSpPr/>
+        <p:nvPr/>
+      </p:nvGrpSpPr>
+      <p:grpSpPr>
+        <a:xfrm>
+          <a:off x="0" y="0"/>
+          <a:ext cx="0" cy="0"/>
+          <a:chOff x="0" y="0"/>
+          <a:chExt cx="0" cy="0"/>
+        </a:xfrm>
+      </p:grpSpPr>
+      <p:sp>
+        <p:nvSpPr>
+          <p:cNvPr id="2" name="标题 1"/>
+          <p:cNvSpPr>
+            <a:spLocks noGrp="1"/>
+          </p:cNvSpPr>
+          <p:nvPr>
+            <p:ph type="title"/>
+          </p:nvPr>
+        </p:nvSpPr>
+        <p:spPr/>
+        <p:txBody>
+          <a:bodyPr/>
+          <a:lstStyle/>
+          <a:p>
+            <a:r>
+              <a:rPr kumimoji="1" lang="en-US" altLang="en-US" dirty="0" err="1"/>
+              <a:t>什么是Category</a:t>
+            </a:r>
+            <a:endParaRPr kumimoji="1" lang="zh-CN" altLang="en-US" dirty="0"/>
+          </a:p>
+        </p:txBody>
+      </p:sp>
+      <p:sp>
+        <p:nvSpPr>
+          <p:cNvPr id="3" name="幻灯片编号占位符 2"/>
+          <p:cNvSpPr>
+            <a:spLocks noGrp="1"/>
+          </p:cNvSpPr>
+          <p:nvPr>
+            <p:ph type="sldNum" sz="quarter" idx="4"/>
+          </p:nvPr>
+        </p:nvSpPr>
+        <p:spPr/>
+        <p:txBody>
+          <a:bodyPr/>
+          <a:lstStyle/>
+          <a:p>
+            <a:fld id="{BF10DB53-D7D3-4DB6-A29F-40217B92EC88}" type="slidenum">
+              <a:rPr lang="en-US" smtClean="0"/>
+              <a:pPr/>
+              <a:t>1</a:t>
+            </a:fld>
+            <a:endParaRPr lang="en-US" dirty="0"/>
+          </a:p>
+        </p:txBody>
+      </p:sp>
+      <p:sp>
+        <p:nvSpPr>
+          <p:cNvPr id="5" name="文本框 4"/>
+          <p:cNvSpPr txBox="1"/>
+          <p:nvPr/>
+        </p:nvSpPr>
+        <p:spPr>
+          <a:xfrm>
+            <a:off x="251520" y="1556792"/>
+            <a:ext cx="8352928" cy="2308324"/>
+          </a:xfrm>
+          <a:prstGeom prst="rect">
+            <a:avLst/>
+          </a:prstGeom>
+          <a:noFill/>
+        </p:spPr>
+        <p:txBody>
+          <a:bodyPr wrap="square" rtlCol="0">
+            <a:spAutoFit/>
+          </a:bodyPr>
+          <a:lstStyle/>
+          <a:p>
+            <a:pPr marL="342900" indent="-342900">
+              <a:buFont typeface="Wingdings" charset="2"/>
+              <a:buChar char="Ø"/>
+            </a:pPr>
+            <a:r>
+              <a:rPr kumimoji="1" lang="en-US" altLang="zh-CN" sz="2400" dirty="0"/>
+              <a:t>Category</a:t>
+            </a:r>
+            <a:r>
+              <a:rPr kumimoji="1" lang="zh-CN" altLang="en-US" sz="2400" dirty="0"/>
+              <a:t>有很多种翻译</a:t>
+            </a:r>
+            <a:r>
+              <a:rPr kumimoji="1" lang="en-US" altLang="zh-CN" sz="2400" dirty="0"/>
+              <a:t>:</a:t>
+            </a:r>
+            <a:r>
+              <a:rPr kumimoji="1" lang="zh-CN" altLang="en-US" sz="2400" dirty="0"/>
+              <a:t> 分类 </a:t>
+            </a:r>
+            <a:r>
+              <a:rPr kumimoji="1" lang="en-US" altLang="zh-CN" sz="2400" dirty="0"/>
+              <a:t>\</a:t>
+            </a:r>
+            <a:r>
+              <a:rPr kumimoji="1" lang="zh-CN" altLang="en-US" sz="2400" dirty="0"/>
+              <a:t> 类别 </a:t>
+            </a:r>
+            <a:r>
+              <a:rPr kumimoji="1" lang="en-US" altLang="zh-CN" sz="2400" dirty="0"/>
+              <a:t>\</a:t>
+            </a:r>
+            <a:r>
+              <a:rPr kumimoji="1" lang="zh-CN" altLang="en-US" sz="2400" dirty="0"/>
+              <a:t> 类目 </a:t>
+            </a:r>
+            <a:r>
+              <a:rPr kumimoji="1" lang="en-US" altLang="zh-CN" sz="2400" dirty="0"/>
+              <a:t>(</a:t>
+            </a:r>
+            <a:r>
+              <a:rPr kumimoji="1" lang="zh-CN" altLang="en-US" sz="2400" dirty="0" smtClean="0"/>
+              <a:t>一般叫</a:t>
+            </a:r>
+            <a:r>
+              <a:rPr kumimoji="1" lang="zh-CN" altLang="en-US" sz="2400" dirty="0" smtClean="0">
+                <a:solidFill>
+                  <a:srgbClr val="FF0000"/>
+                </a:solidFill>
+              </a:rPr>
+              <a:t>类别</a:t>
+            </a:r>
+            <a:r>
+              <a:rPr kumimoji="1" lang="en-US" altLang="zh-CN" sz="2400" dirty="0" smtClean="0"/>
+              <a:t>)</a:t>
+            </a:r>
+            <a:endParaRPr kumimoji="1" lang="en-US" altLang="zh-CN" sz="2400" dirty="0"/>
+          </a:p>
+          <a:p>
+            <a:endParaRPr kumimoji="1" lang="en-US" altLang="zh-CN" sz="2400" dirty="0"/>
+          </a:p>
+          <a:p>
+            <a:pPr marL="342900" indent="-342900">
+              <a:buFont typeface="Wingdings" charset="2"/>
+              <a:buChar char="Ø"/>
+            </a:pPr>
+            <a:r>
+              <a:rPr kumimoji="1" lang="en-US" altLang="zh-CN" sz="2400" dirty="0"/>
+              <a:t>Category</a:t>
+            </a:r>
+            <a:r>
+              <a:rPr kumimoji="1" lang="zh-CN" altLang="en-US" sz="2400" dirty="0"/>
+              <a:t>是</a:t>
+            </a:r>
+            <a:r>
+              <a:rPr kumimoji="1" lang="en-US" altLang="zh-CN" sz="2400" dirty="0"/>
+              <a:t>OC</a:t>
+            </a:r>
+            <a:r>
+              <a:rPr kumimoji="1" lang="zh-CN" altLang="en-US" sz="2400" dirty="0"/>
+              <a:t>特有的语法</a:t>
+            </a:r>
+            <a:r>
+              <a:rPr kumimoji="1" lang="en-US" altLang="zh-CN" sz="2400" dirty="0"/>
+              <a:t>,</a:t>
+            </a:r>
+            <a:r>
+              <a:rPr kumimoji="1" lang="zh-CN" altLang="en-US" sz="2400" dirty="0"/>
+              <a:t> 其他语言没有的语法</a:t>
+            </a:r>
+            <a:endParaRPr kumimoji="1" lang="en-US" altLang="zh-CN" sz="2400" dirty="0"/>
+          </a:p>
+          <a:p>
+            <a:endParaRPr kumimoji="1" lang="en-US" altLang="zh-CN" sz="2400" dirty="0"/>
+          </a:p>
+          <a:p>
+            <a:pPr marL="342900" indent="-342900">
+              <a:buFont typeface="Wingdings" charset="2"/>
+              <a:buChar char="Ø"/>
+            </a:pPr>
+            <a:r>
+              <a:rPr kumimoji="1" lang="en-US" altLang="zh-CN" sz="2400" dirty="0"/>
+              <a:t>Category</a:t>
+            </a:r>
+            <a:r>
+              <a:rPr kumimoji="1" lang="zh-CN" altLang="en-US" sz="2400" dirty="0"/>
+              <a:t>的作用</a:t>
+            </a:r>
+            <a:endParaRPr kumimoji="1" lang="en-US" altLang="zh-CN" sz="2400" dirty="0"/>
+          </a:p>
+          <a:p>
+            <a:pPr>
+              <a:buFont typeface="Wingdings" charset="2"/>
+              <a:buChar char="Ø"/>
+            </a:pPr>
+            <a:r>
+              <a:rPr kumimoji="1" lang="zh-CN" altLang="en-US" sz="2400" dirty="0"/>
+              <a:t>可以在不修改原来类的基础上</a:t>
+            </a:r>
+            <a:r>
+              <a:rPr kumimoji="1" lang="en-US" altLang="zh-CN" sz="2400" dirty="0"/>
+              <a:t>,</a:t>
+            </a:r>
+            <a:r>
+              <a:rPr kumimoji="1" lang="zh-CN" altLang="en-US" sz="2400" dirty="0"/>
+              <a:t> 为这个类扩充一些方法</a:t>
+            </a:r>
+            <a:endParaRPr kumimoji="1" lang="en-US" altLang="zh-CN" sz="2400" dirty="0"/>
+          </a:p>
+        </p:txBody>
+      </p:sp>
+    </p:spTree>
+    <p:extLst>
+      <p:ext uri="{BB962C8B-B14F-4D97-AF65-F5344CB8AC3E}">
+        <p14:creationId xmlns:p14="http://schemas.microsoft.com/office/powerpoint/2010/main" val="3921417772"/>
+      </p:ext>
+    </p:extLst>
+  </p:cSld>
+  <p:clrMapOvr>
+    <a:masterClrMapping/>
+  </p:clrMapOvr>
+  <p:timing>
+    <p:tnLst>
+      <p:par>
+        <p:cTn xmlns:p14="http://schemas.microsoft.com/office/powerpoint/2010/main" id="1" dur="indefinite" restart="never" nodeType="tmRoot"/>
+      </p:par>
+    </p:tnLst>
+  </p:timing>
+</p:sld>
+</file>
+
+<file path=ppt/slides/slide3.xml><?xml version="1.0" encoding="utf-8"?>
+<p:sld xmlns:a="http://schemas.openxmlformats.org/drawingml/2006/main" xmlns:r="http://schemas.openxmlformats.org/officeDocument/2006/relationships" xmlns:p="http://schemas.openxmlformats.org/presentationml/2006/main">
+  <p:cSld>
+    <p:spTree>
+      <p:nvGrpSpPr>
+        <p:cNvPr id="1" name=""/>
+        <p:cNvGrpSpPr/>
+        <p:nvPr/>
+      </p:nvGrpSpPr>
+      <p:grpSpPr>
+        <a:xfrm>
+          <a:off x="0" y="0"/>
+          <a:ext cx="0" cy="0"/>
+          <a:chOff x="0" y="0"/>
+          <a:chExt cx="0" cy="0"/>
+        </a:xfrm>
+      </p:grpSpPr>
+      <p:sp>
+        <p:nvSpPr>
+          <p:cNvPr id="2" name="标题 1"/>
+          <p:cNvSpPr>
+            <a:spLocks noGrp="1"/>
+          </p:cNvSpPr>
+          <p:nvPr>
+            <p:ph type="title"/>
+          </p:nvPr>
+        </p:nvSpPr>
+        <p:spPr/>
+        <p:txBody>
+          <a:bodyPr/>
+          <a:lstStyle/>
+          <a:p>
+            <a:r>
+              <a:rPr kumimoji="1" lang="zh-CN" altLang="en-US" dirty="0"/>
+              <a:t>书写格式</a:t>
+            </a:r>
+            <a:endParaRPr kumimoji="1" lang="zh-CN" altLang="en-US" dirty="0"/>
+          </a:p>
+        </p:txBody>
+      </p:sp>
+      <p:sp>
+        <p:nvSpPr>
+          <p:cNvPr id="3" name="幻灯片编号占位符 2"/>
+          <p:cNvSpPr>
+            <a:spLocks noGrp="1"/>
+          </p:cNvSpPr>
+          <p:nvPr>
+            <p:ph type="sldNum" sz="quarter" idx="4"/>
+          </p:nvPr>
+        </p:nvSpPr>
+        <p:spPr/>
+        <p:txBody>
+          <a:bodyPr/>
+          <a:lstStyle/>
+          <a:p>
+            <a:fld id="{BF10DB53-D7D3-4DB6-A29F-40217B92EC88}" type="slidenum">
+              <a:rPr lang="en-US" smtClean="0"/>
+              <a:pPr/>
+              <a:t>2</a:t>
+            </a:fld>
+            <a:endParaRPr lang="en-US" dirty="0"/>
+          </a:p>
+        </p:txBody>
+      </p:sp>
+      <p:sp>
+        <p:nvSpPr>
+          <p:cNvPr id="5" name="文本框 4"/>
+          <p:cNvSpPr txBox="1"/>
+          <p:nvPr/>
+        </p:nvSpPr>
+        <p:spPr>
+          <a:xfrm>
+            <a:off x="251520" y="1556792"/>
+            <a:ext cx="8352928" cy="2677656"/>
+          </a:xfrm>
+          <a:prstGeom prst="rect">
+            <a:avLst/>
+          </a:prstGeom>
+          <a:noFill/>
+        </p:spPr>
+        <p:txBody>
+          <a:bodyPr wrap="square" rtlCol="0">
+            <a:spAutoFit/>
+          </a:bodyPr>
+          <a:lstStyle/>
+          <a:p>
+            <a:pPr marL="342900" indent="-342900">
+              <a:buFont typeface="Wingdings" charset="2"/>
+              <a:buChar char="Ø"/>
+            </a:pPr>
+            <a:r>
+              <a:rPr kumimoji="1" lang="zh-CN" altLang="en-US" sz="2400" dirty="0"/>
+              <a:t>声明</a:t>
+            </a:r>
+            <a:endParaRPr kumimoji="1" lang="en-US" altLang="zh-CN" sz="2400" dirty="0"/>
+          </a:p>
+          <a:p>
+            <a:pPr marL="0" indent="0">
+              <a:buNone/>
+            </a:pPr>
+            <a:r>
+              <a:rPr lang="en-US" altLang="zh-CN" sz="2400" dirty="0">
+                <a:solidFill>
+                  <a:srgbClr val="AA0D91"/>
+                </a:solidFill>
+                <a:latin typeface="Menlo-Regular"/>
+              </a:rPr>
+              <a:t>@interface</a:t>
+            </a:r>
+            <a:r>
+              <a:rPr lang="en-US" altLang="zh-CN" sz="2400" dirty="0">
+                <a:solidFill>
+                  <a:srgbClr val="000000"/>
+                </a:solidFill>
+                <a:latin typeface="Menlo-Regular"/>
+              </a:rPr>
+              <a:t> </a:t>
+            </a:r>
+            <a:r>
+              <a:rPr lang="zh-CN" altLang="en-US" sz="2400" dirty="0">
+                <a:solidFill>
+                  <a:srgbClr val="000000"/>
+                </a:solidFill>
+                <a:latin typeface="Menlo-Regular"/>
+              </a:rPr>
+              <a:t>类名 </a:t>
+            </a:r>
+            <a:r>
+              <a:rPr lang="en-US" altLang="zh-CN" sz="2400" dirty="0">
+                <a:solidFill>
+                  <a:srgbClr val="000000"/>
+                </a:solidFill>
+                <a:latin typeface="Menlo-Regular"/>
+              </a:rPr>
+              <a:t>(</a:t>
+            </a:r>
+            <a:r>
+              <a:rPr lang="zh-CN" altLang="en-US" sz="2400" dirty="0">
+                <a:solidFill>
+                  <a:srgbClr val="000000"/>
+                </a:solidFill>
+                <a:latin typeface="Menlo-Regular"/>
+              </a:rPr>
+              <a:t>分类名称</a:t>
+            </a:r>
+            <a:r>
+              <a:rPr lang="en-US" altLang="zh-CN" sz="2400" dirty="0">
+                <a:solidFill>
+                  <a:srgbClr val="000000"/>
+                </a:solidFill>
+                <a:latin typeface="Menlo-Regular"/>
+              </a:rPr>
+              <a:t>)</a:t>
+            </a:r>
+          </a:p>
+          <a:p>
+            <a:pPr marL="0" indent="0">
+              <a:buNone/>
+            </a:pPr>
+            <a:r>
+              <a:rPr lang="en-US" altLang="zh-CN" sz="2400" dirty="0">
+                <a:solidFill>
+                  <a:srgbClr val="AA0D91"/>
+                </a:solidFill>
+                <a:latin typeface="Menlo-Regular"/>
+              </a:rPr>
+              <a:t>@end</a:t>
+            </a:r>
+            <a:endParaRPr kumimoji="1" lang="en-US" altLang="zh-CN" sz="2400" dirty="0"/>
+          </a:p>
+          <a:p>
+            <a:pPr marL="0" indent="0">
+              <a:buNone/>
+            </a:pPr>
+            <a:endParaRPr kumimoji="1" lang="en-US" altLang="zh-CN" sz="2400" dirty="0"/>
+          </a:p>
+          <a:p>
+            <a:pPr marL="342900" indent="-342900">
+              <a:buFont typeface="Wingdings" charset="2"/>
+              <a:buChar char="Ø"/>
+            </a:pPr>
+            <a:r>
+              <a:rPr kumimoji="1" lang="zh-CN" altLang="en-US" sz="2400" dirty="0"/>
+              <a:t>实现</a:t>
+            </a:r>
+            <a:endParaRPr kumimoji="1" lang="en-US" altLang="zh-CN" sz="2400" dirty="0"/>
+          </a:p>
+          <a:p>
+            <a:pPr marL="0" indent="0">
+              <a:buNone/>
+            </a:pPr>
+            <a:r>
+              <a:rPr lang="en-US" altLang="zh-CN" sz="2400" dirty="0">
+                <a:solidFill>
+                  <a:srgbClr val="AA0D91"/>
+                </a:solidFill>
+                <a:latin typeface="Menlo-Regular"/>
+              </a:rPr>
+              <a:t>@implementation</a:t>
+            </a:r>
+            <a:r>
+              <a:rPr lang="zh-CN" altLang="en-US" sz="2400" dirty="0">
+                <a:solidFill>
+                  <a:srgbClr val="000000"/>
+                </a:solidFill>
+                <a:latin typeface="Menlo-Regular"/>
+              </a:rPr>
+              <a:t>类名 </a:t>
+            </a:r>
+            <a:r>
+              <a:rPr lang="en-US" altLang="zh-CN" sz="2400" dirty="0">
+                <a:solidFill>
+                  <a:srgbClr val="000000"/>
+                </a:solidFill>
+                <a:latin typeface="Menlo-Regular"/>
+              </a:rPr>
+              <a:t>(</a:t>
+            </a:r>
+            <a:r>
+              <a:rPr lang="zh-CN" altLang="en-US" sz="2400" dirty="0">
+                <a:solidFill>
+                  <a:srgbClr val="000000"/>
+                </a:solidFill>
+                <a:latin typeface="Menlo-Regular"/>
+              </a:rPr>
+              <a:t>分类名称</a:t>
+            </a:r>
+            <a:r>
+              <a:rPr lang="en-US" altLang="zh-CN" sz="2400" dirty="0">
+                <a:solidFill>
+                  <a:srgbClr val="000000"/>
+                </a:solidFill>
+                <a:latin typeface="Menlo-Regular"/>
+              </a:rPr>
+              <a:t>)</a:t>
+            </a:r>
+          </a:p>
+          <a:p>
+            <a:pPr marL="0" indent="0">
+              <a:buNone/>
+            </a:pPr>
+            <a:r>
+              <a:rPr lang="en-US" altLang="zh-CN" sz="2400" dirty="0">
+                <a:solidFill>
+                  <a:srgbClr val="AA0D91"/>
+                </a:solidFill>
+                <a:latin typeface="Menlo-Regular"/>
+              </a:rPr>
+              <a:t>@end</a:t>
+            </a:r>
+            <a:endParaRPr kumimoji="1" lang="en-US" altLang="zh-CN" sz="2400" dirty="0"/>
+          </a:p>
+        </p:txBody>
+      </p:sp>
+    </p:spTree>
+    <p:extLst>
+      <p:ext uri="{BB962C8B-B14F-4D97-AF65-F5344CB8AC3E}">
+        <p14:creationId xmlns:p14="http://schemas.microsoft.com/office/powerpoint/2010/main" val="2658917043"/>
+      </p:ext>
+    </p:extLst>
+  </p:cSld>
+  <p:clrMapOvr>
+    <a:masterClrMapping/>
+  </p:clrMapOvr>
+  <p:timing>
+    <p:tnLst>
+      <p:par>
+        <p:cTn xmlns:p14="http://schemas.microsoft.com/office/powerpoint/2010/main" id="1" dur="indefinite" restart="never" nodeType="tmRoot"/>
+      </p:par>
+    </p:tnLst>
+  </p:timing>
+</p:sld>
+</file>
+
+<file path=ppt/slides/slide4.xml><?xml version="1.0" encoding="utf-8"?>
+<p:sld xmlns:a="http://schemas.openxmlformats.org/drawingml/2006/main" xmlns:r="http://schemas.openxmlformats.org/officeDocument/2006/relationships" xmlns:p="http://schemas.openxmlformats.org/presentationml/2006/main">
+  <p:cSld>
+    <p:spTree>
+      <p:nvGrpSpPr>
+        <p:cNvPr id="1" name=""/>
+        <p:cNvGrpSpPr/>
+        <p:nvPr/>
+      </p:nvGrpSpPr>
+      <p:grpSpPr>
+        <a:xfrm>
+          <a:off x="0" y="0"/>
+          <a:ext cx="0" cy="0"/>
+          <a:chOff x="0" y="0"/>
+          <a:chExt cx="0" cy="0"/>
+        </a:xfrm>
+      </p:grpSpPr>
+      <p:sp>
+        <p:nvSpPr>
+          <p:cNvPr id="2" name="标题 1"/>
+          <p:cNvSpPr>
+            <a:spLocks noGrp="1"/>
+          </p:cNvSpPr>
+          <p:nvPr>
+            <p:ph type="title"/>
+          </p:nvPr>
+        </p:nvSpPr>
+        <p:spPr/>
+        <p:txBody>
+          <a:bodyPr/>
+          <a:lstStyle/>
+          <a:p>
+            <a:r>
+              <a:rPr kumimoji="1" lang="zh-CN" altLang="en-US" dirty="0"/>
+              <a:t>书写格式举例</a:t>
+            </a:r>
+            <a:endParaRPr kumimoji="1" lang="zh-CN" altLang="en-US" dirty="0"/>
+          </a:p>
+        </p:txBody>
+      </p:sp>
+      <p:sp>
+        <p:nvSpPr>
+          <p:cNvPr id="3" name="幻灯片编号占位符 2"/>
+          <p:cNvSpPr>
+            <a:spLocks noGrp="1"/>
+          </p:cNvSpPr>
+          <p:nvPr>
+            <p:ph type="sldNum" sz="quarter" idx="4"/>
+          </p:nvPr>
+        </p:nvSpPr>
+        <p:spPr/>
+        <p:txBody>
+          <a:bodyPr/>
+          <a:lstStyle/>
+          <a:p>
+            <a:fld id="{BF10DB53-D7D3-4DB6-A29F-40217B92EC88}" type="slidenum">
+              <a:rPr lang="en-US" smtClean="0"/>
+              <a:pPr/>
+              <a:t>3</a:t>
+            </a:fld>
+            <a:endParaRPr lang="en-US" dirty="0"/>
+          </a:p>
+        </p:txBody>
+      </p:sp>
+      <p:sp>
+        <p:nvSpPr>
+          <p:cNvPr id="5" name="文本框 4"/>
+          <p:cNvSpPr txBox="1"/>
+          <p:nvPr/>
+        </p:nvSpPr>
+        <p:spPr>
+          <a:xfrm>
+            <a:off x="251520" y="1556792"/>
+            <a:ext cx="8352928" cy="3416320"/>
+          </a:xfrm>
+          <a:prstGeom prst="rect">
+            <a:avLst/>
+          </a:prstGeom>
+          <a:noFill/>
+        </p:spPr>
+        <p:txBody>
+          <a:bodyPr wrap="square" rtlCol="0">
+            <a:spAutoFit/>
+          </a:bodyPr>
+          <a:lstStyle/>
+          <a:p>
+            <a:pPr marL="342900" indent="-342900">
+              <a:buFont typeface="Wingdings" charset="2"/>
+              <a:buChar char="Ø"/>
+            </a:pPr>
+            <a:r>
+              <a:rPr kumimoji="1" lang="zh-CN" altLang="en-US" sz="2400" dirty="0"/>
+              <a:t>声明</a:t>
+            </a:r>
+            <a:endParaRPr kumimoji="1" lang="en-US" altLang="zh-CN" sz="2400" dirty="0"/>
+          </a:p>
+          <a:p>
+            <a:pPr marL="0" indent="0">
+              <a:buNone/>
+            </a:pPr>
+            <a:r>
+              <a:rPr lang="en-US" altLang="zh-CN" sz="2400" dirty="0">
+                <a:solidFill>
+                  <a:srgbClr val="643820"/>
+                </a:solidFill>
+                <a:latin typeface="Menlo-Regular"/>
+              </a:rPr>
+              <a:t>#import </a:t>
+            </a:r>
+            <a:r>
+              <a:rPr lang="en-US" altLang="zh-CN" sz="2400" dirty="0">
+                <a:solidFill>
+                  <a:srgbClr val="C41A16"/>
+                </a:solidFill>
+                <a:latin typeface="Menlo-Regular"/>
+              </a:rPr>
+              <a:t>"</a:t>
+            </a:r>
+            <a:r>
+              <a:rPr lang="en-US" altLang="zh-CN" sz="2400" dirty="0" err="1">
+                <a:solidFill>
+                  <a:srgbClr val="C41A16"/>
+                </a:solidFill>
+                <a:latin typeface="Menlo-Regular"/>
+              </a:rPr>
+              <a:t>Student.h</a:t>
+            </a:r>
+            <a:r>
+              <a:rPr lang="en-US" altLang="zh-CN" sz="2400" dirty="0">
+                <a:solidFill>
+                  <a:srgbClr val="C41A16"/>
+                </a:solidFill>
+                <a:latin typeface="Menlo-Regular"/>
+              </a:rPr>
+              <a:t>”</a:t>
+            </a:r>
+            <a:endParaRPr lang="en-US" altLang="zh-CN" sz="2400" dirty="0">
+              <a:solidFill>
+                <a:srgbClr val="000000"/>
+              </a:solidFill>
+              <a:latin typeface="Menlo-Regular"/>
+            </a:endParaRPr>
+          </a:p>
+          <a:p>
+            <a:pPr marL="0" indent="0">
+              <a:buNone/>
+            </a:pPr>
+            <a:r>
+              <a:rPr lang="en-US" altLang="zh-CN" sz="2400" dirty="0">
+                <a:solidFill>
+                  <a:srgbClr val="AA0D91"/>
+                </a:solidFill>
+                <a:latin typeface="Menlo-Regular"/>
+              </a:rPr>
+              <a:t>@interface</a:t>
+            </a:r>
+            <a:r>
+              <a:rPr lang="en-US" altLang="zh-CN" sz="2400" dirty="0">
+                <a:solidFill>
+                  <a:srgbClr val="000000"/>
+                </a:solidFill>
+                <a:latin typeface="Menlo-Regular"/>
+              </a:rPr>
+              <a:t> Student (Study)</a:t>
+            </a:r>
+          </a:p>
+          <a:p>
+            <a:pPr marL="0" indent="0">
+              <a:buNone/>
+            </a:pPr>
+            <a:r>
+              <a:rPr lang="en-US" altLang="zh-CN" sz="2400" dirty="0">
+                <a:solidFill>
+                  <a:srgbClr val="AA0D91"/>
+                </a:solidFill>
+                <a:latin typeface="Menlo-Regular"/>
+              </a:rPr>
+              <a:t>@end</a:t>
+            </a:r>
+            <a:endParaRPr kumimoji="1" lang="en-US" altLang="zh-CN" sz="2400" dirty="0"/>
+          </a:p>
+          <a:p>
+            <a:pPr marL="0" indent="0">
+              <a:buNone/>
+            </a:pPr>
+            <a:endParaRPr kumimoji="1" lang="en-US" altLang="zh-CN" sz="2400" dirty="0"/>
+          </a:p>
+          <a:p>
+            <a:pPr marL="342900" indent="-342900">
+              <a:buFont typeface="Wingdings" charset="2"/>
+              <a:buChar char="Ø"/>
+            </a:pPr>
+            <a:r>
+              <a:rPr kumimoji="1" lang="zh-CN" altLang="en-US" sz="2400" dirty="0"/>
+              <a:t>实现</a:t>
+            </a:r>
+            <a:endParaRPr kumimoji="1" lang="en-US" altLang="zh-CN" sz="2400" dirty="0"/>
+          </a:p>
+          <a:p>
+            <a:pPr marL="0" indent="0">
+              <a:buNone/>
+            </a:pPr>
+            <a:r>
+              <a:rPr lang="en-US" altLang="zh-CN" sz="2400" dirty="0">
+                <a:solidFill>
+                  <a:srgbClr val="643820"/>
+                </a:solidFill>
+                <a:latin typeface="Menlo-Regular"/>
+              </a:rPr>
+              <a:t>#import </a:t>
+            </a:r>
+            <a:r>
+              <a:rPr lang="en-US" altLang="zh-CN" sz="2400" dirty="0">
+                <a:solidFill>
+                  <a:srgbClr val="C41A16"/>
+                </a:solidFill>
+                <a:latin typeface="Menlo-Regular"/>
+              </a:rPr>
+              <a:t>"</a:t>
+            </a:r>
+            <a:r>
+              <a:rPr lang="en-US" altLang="zh-CN" sz="2400" dirty="0" err="1">
+                <a:solidFill>
+                  <a:srgbClr val="C41A16"/>
+                </a:solidFill>
+                <a:latin typeface="Menlo-Regular"/>
+              </a:rPr>
+              <a:t>Student+Study.h</a:t>
+            </a:r>
+            <a:r>
+              <a:rPr lang="en-US" altLang="zh-CN" sz="2400" dirty="0">
+                <a:solidFill>
+                  <a:srgbClr val="C41A16"/>
+                </a:solidFill>
+                <a:latin typeface="Menlo-Regular"/>
+              </a:rPr>
+              <a:t>”</a:t>
+            </a:r>
+            <a:endParaRPr lang="en-US" altLang="zh-CN" sz="2400" dirty="0">
+              <a:solidFill>
+                <a:srgbClr val="000000"/>
+              </a:solidFill>
+              <a:latin typeface="Menlo-Regular"/>
+            </a:endParaRPr>
+          </a:p>
+          <a:p>
+            <a:pPr marL="0" indent="0">
+              <a:buNone/>
+            </a:pPr>
+            <a:r>
+              <a:rPr lang="en-US" altLang="zh-CN" sz="2400" dirty="0">
+                <a:solidFill>
+                  <a:srgbClr val="AA0D91"/>
+                </a:solidFill>
+                <a:latin typeface="Menlo-Regular"/>
+              </a:rPr>
+              <a:t>@implementation</a:t>
+            </a:r>
+            <a:r>
+              <a:rPr lang="en-US" altLang="zh-CN" sz="2400" dirty="0">
+                <a:solidFill>
+                  <a:srgbClr val="000000"/>
+                </a:solidFill>
+                <a:latin typeface="Menlo-Regular"/>
+              </a:rPr>
+              <a:t> Student (Study)</a:t>
+            </a:r>
+          </a:p>
+          <a:p>
+            <a:pPr marL="0" indent="0">
+              <a:buNone/>
+            </a:pPr>
+            <a:r>
+              <a:rPr lang="en-US" altLang="zh-CN" sz="2400" dirty="0">
+                <a:solidFill>
+                  <a:srgbClr val="AA0D91"/>
+                </a:solidFill>
+                <a:latin typeface="Menlo-Regular"/>
+              </a:rPr>
+              <a:t>@end</a:t>
+            </a:r>
+            <a:endParaRPr kumimoji="1" lang="en-US" altLang="zh-CN" sz="2400" dirty="0"/>
+          </a:p>
+        </p:txBody>
+      </p:sp>
+    </p:spTree>
+    <p:extLst>
+      <p:ext uri="{BB962C8B-B14F-4D97-AF65-F5344CB8AC3E}">
+        <p14:creationId xmlns:p14="http://schemas.microsoft.com/office/powerpoint/2010/main" val="3624295842"/>
+      </p:ext>
+    </p:extLst>
+  </p:cSld>
+  <p:clrMapOvr>
+    <a:masterClrMapping/>
+  </p:clrMapOvr>
+  <p:timing>
+    <p:tnLst>
+      <p:par>
+        <p:cTn xmlns:p14="http://schemas.microsoft.com/office/powerpoint/2010/main" id="1" dur="indefinite" restart="never" nodeType="tmRoot"/>
+      </p:par>
+    </p:tnLst>
+  </p:timing>
+</p:sld>
+</file>
+
+<file path=ppt/slides/slide5.xml><?xml version="1.0" encoding="utf-8"?>
+<p:sld xmlns:a="http://schemas.openxmlformats.org/drawingml/2006/main" xmlns:r="http://schemas.openxmlformats.org/officeDocument/2006/relationships" xmlns:p="http://schemas.openxmlformats.org/presentationml/2006/main">
+  <p:cSld>
+    <p:spTree>
+      <p:nvGrpSpPr>
+        <p:cNvPr id="1" name=""/>
+        <p:cNvGrpSpPr/>
+        <p:nvPr/>
+      </p:nvGrpSpPr>
+      <p:grpSpPr>
+        <a:xfrm>
+          <a:off x="0" y="0"/>
+          <a:ext cx="0" cy="0"/>
+          <a:chOff x="0" y="0"/>
+          <a:chExt cx="0" cy="0"/>
+        </a:xfrm>
+      </p:grpSpPr>
+      <p:sp>
+        <p:nvSpPr>
+          <p:cNvPr id="2" name="标题 1"/>
+          <p:cNvSpPr>
+            <a:spLocks noGrp="1"/>
+          </p:cNvSpPr>
+          <p:nvPr>
+            <p:ph type="title"/>
+          </p:nvPr>
+        </p:nvSpPr>
+        <p:spPr/>
+        <p:txBody>
+          <a:bodyPr/>
+          <a:lstStyle/>
+          <a:p>
+            <a:r>
+              <a:rPr kumimoji="1" lang="zh-CN" altLang="en-US" dirty="0"/>
+              <a:t>使用</a:t>
+            </a:r>
+            <a:r>
+              <a:rPr kumimoji="1" lang="en-US" altLang="zh-CN" dirty="0" err="1"/>
+              <a:t>Xcode</a:t>
+            </a:r>
+            <a:r>
+              <a:rPr kumimoji="1" lang="zh-CN" altLang="en-US" dirty="0"/>
+              <a:t>创建分类</a:t>
+            </a:r>
+            <a:endParaRPr kumimoji="1" lang="zh-CN" altLang="en-US" dirty="0"/>
+          </a:p>
+        </p:txBody>
+      </p:sp>
+      <p:sp>
+        <p:nvSpPr>
+          <p:cNvPr id="3" name="幻灯片编号占位符 2"/>
+          <p:cNvSpPr>
+            <a:spLocks noGrp="1"/>
+          </p:cNvSpPr>
+          <p:nvPr>
+            <p:ph type="sldNum" sz="quarter" idx="4"/>
+          </p:nvPr>
+        </p:nvSpPr>
+        <p:spPr/>
+        <p:txBody>
+          <a:bodyPr/>
+          <a:lstStyle/>
+          <a:p>
+            <a:fld id="{BF10DB53-D7D3-4DB6-A29F-40217B92EC88}" type="slidenum">
+              <a:rPr lang="en-US" smtClean="0"/>
+              <a:pPr/>
+              <a:t>4</a:t>
+            </a:fld>
+            <a:endParaRPr lang="en-US" dirty="0"/>
+          </a:p>
+        </p:txBody>
+      </p:sp>
+      <p:pic>
+        <p:nvPicPr>
+          <p:cNvPr id="6" name="图片 5" descr="QQ20140513-2@2x.png"/>
+          <p:cNvPicPr>
+            <a:picLocks noChangeAspect="1"/>
+          </p:cNvPicPr>
+          <p:nvPr/>
+        </p:nvPicPr>
+        <p:blipFill>
+          <a:blip r:embed="rId2">
+            <a:extLst>
+              <a:ext uri="{28A0092B-C50C-407E-A947-70E740481C1C}">
+                <a14:useLocalDpi xmlns:a14="http://schemas.microsoft.com/office/drawing/2010/main" val="0"/>
+              </a:ext>
+            </a:extLst>
+          </a:blip>
+          <a:stretch>
+            <a:fillRect/>
+          </a:stretch>
+        </p:blipFill>
+        <p:spPr>
+          <a:xfrm>
+            <a:off x="561118" y="1562851"/>
+            <a:ext cx="6807200" cy="2870200"/>
+          </a:xfrm>
+          <a:prstGeom prst="rect">
+            <a:avLst/>
+          </a:prstGeom>
+          <a:ln>
+            <a:solidFill>
+              <a:srgbClr val="000000"/>
+            </a:solidFill>
+          </a:ln>
+        </p:spPr>
+      </p:pic>
+      <p:pic>
+        <p:nvPicPr>
+          <p:cNvPr id="7" name="图片 6" descr="QQ20140513-3@2x.png"/>
+          <p:cNvPicPr>
+            <a:picLocks noChangeAspect="1"/>
+          </p:cNvPicPr>
+          <p:nvPr/>
+        </p:nvPicPr>
+        <p:blipFill>
+          <a:blip r:embed="rId3">
+            <a:extLst>
+              <a:ext uri="{28A0092B-C50C-407E-A947-70E740481C1C}">
+                <a14:useLocalDpi xmlns:a14="http://schemas.microsoft.com/office/drawing/2010/main" val="0"/>
+              </a:ext>
+            </a:extLst>
+          </a:blip>
+          <a:stretch>
+            <a:fillRect/>
+          </a:stretch>
+        </p:blipFill>
+        <p:spPr>
+          <a:xfrm>
+            <a:off x="561118" y="4585879"/>
+            <a:ext cx="4762500" cy="1727200"/>
+          </a:xfrm>
+          <a:prstGeom prst="rect">
+            <a:avLst/>
+          </a:prstGeom>
+          <a:ln>
+            <a:solidFill>
+              <a:srgbClr val="000000"/>
+            </a:solidFill>
+          </a:ln>
+        </p:spPr>
+      </p:pic>
+    </p:spTree>
+    <p:extLst>
+      <p:ext uri="{BB962C8B-B14F-4D97-AF65-F5344CB8AC3E}">
+        <p14:creationId xmlns:p14="http://schemas.microsoft.com/office/powerpoint/2010/main" val="1578044250"/>
+      </p:ext>
+    </p:extLst>
+  </p:cSld>
+  <p:clrMapOvr>
+    <a:masterClrMapping/>
+  </p:clrMapOvr>
+  <p:timing>
+    <p:tnLst>
+      <p:par>
+        <p:cTn xmlns:p14="http://schemas.microsoft.com/office/powerpoint/2010/main" id="1" dur="indefinite" restart="never" nodeType="tmRoot"/>
+      </p:par>
+    </p:tnLst>
+  </p:timing>
+</p:sld>
+</file>
+
+<file path=ppt/slides/slide6.xml><?xml version="1.0" encoding="utf-8"?>
+<p:sld xmlns:a="http://schemas.openxmlformats.org/drawingml/2006/main" xmlns:r="http://schemas.openxmlformats.org/officeDocument/2006/relationships" xmlns:p="http://schemas.openxmlformats.org/presentationml/2006/main">
+  <p:cSld>
+    <p:spTree>
+      <p:nvGrpSpPr>
+        <p:cNvPr id="1" name=""/>
+        <p:cNvGrpSpPr/>
+        <p:nvPr/>
+      </p:nvGrpSpPr>
+      <p:grpSpPr>
+        <a:xfrm>
+          <a:off x="0" y="0"/>
+          <a:ext cx="0" cy="0"/>
+          <a:chOff x="0" y="0"/>
+          <a:chExt cx="0" cy="0"/>
+        </a:xfrm>
+      </p:grpSpPr>
+      <p:sp>
+        <p:nvSpPr>
+          <p:cNvPr id="2" name="标题 1"/>
+          <p:cNvSpPr>
+            <a:spLocks noGrp="1"/>
+          </p:cNvSpPr>
+          <p:nvPr>
+            <p:ph type="title"/>
+          </p:nvPr>
+        </p:nvSpPr>
+        <p:spPr/>
+        <p:txBody>
+          <a:bodyPr/>
+          <a:lstStyle/>
+          <a:p>
+            <a:r>
+              <a:rPr kumimoji="1" lang="zh-CN" altLang="en-US" dirty="0"/>
+              <a:t>使用注意</a:t>
+            </a:r>
+            <a:endParaRPr kumimoji="1" lang="zh-CN" altLang="en-US" dirty="0"/>
+          </a:p>
+        </p:txBody>
+      </p:sp>
+      <p:sp>
+        <p:nvSpPr>
+          <p:cNvPr id="3" name="幻灯片编号占位符 2"/>
+          <p:cNvSpPr>
+            <a:spLocks noGrp="1"/>
+          </p:cNvSpPr>
+          <p:nvPr>
+            <p:ph type="sldNum" sz="quarter" idx="4"/>
+          </p:nvPr>
+        </p:nvSpPr>
+        <p:spPr/>
+        <p:txBody>
+          <a:bodyPr/>
+          <a:lstStyle/>
+          <a:p>
+            <a:fld id="{BF10DB53-D7D3-4DB6-A29F-40217B92EC88}" type="slidenum">
+              <a:rPr lang="en-US" smtClean="0"/>
+              <a:pPr/>
+              <a:t>5</a:t>
+            </a:fld>
+            <a:endParaRPr lang="en-US" dirty="0"/>
+          </a:p>
+        </p:txBody>
+      </p:sp>
+      <p:sp>
+        <p:nvSpPr>
+          <p:cNvPr id="5" name="文本框 4"/>
+          <p:cNvSpPr txBox="1"/>
+          <p:nvPr/>
+        </p:nvSpPr>
+        <p:spPr>
+          <a:xfrm>
+            <a:off x="251520" y="1556792"/>
+            <a:ext cx="8352928" cy="4154983"/>
+          </a:xfrm>
+          <a:prstGeom prst="rect">
+            <a:avLst/>
+          </a:prstGeom>
+          <a:noFill/>
+        </p:spPr>
+        <p:txBody>
+          <a:bodyPr wrap="square" rtlCol="0">
+            <a:spAutoFit/>
+          </a:bodyPr>
+          <a:lstStyle/>
+          <a:p>
+            <a:pPr marL="342900" indent="-342900">
+              <a:buFont typeface="Wingdings" charset="2"/>
+              <a:buChar char="u"/>
+            </a:pPr>
+            <a:r>
+              <a:rPr kumimoji="1" lang="en-US" altLang="en-US" sz="2400" dirty="0"/>
+              <a:t>分类只能增加方法, 不能增加成员变量</a:t>
+            </a:r>
+          </a:p>
+          <a:p>
+            <a:endParaRPr kumimoji="1" lang="en-US" altLang="zh-CN" sz="2400" dirty="0"/>
+          </a:p>
+          <a:p>
+            <a:pPr marL="342900" indent="-342900">
+              <a:buFont typeface="Wingdings" charset="2"/>
+              <a:buChar char="u"/>
+            </a:pPr>
+            <a:r>
+              <a:rPr kumimoji="1" lang="zh-CN" altLang="en-US" sz="2400" dirty="0"/>
+              <a:t>分类可以访问原来类中的成员变量</a:t>
+            </a:r>
+            <a:endParaRPr kumimoji="1" lang="en-US" altLang="zh-CN" sz="2400" dirty="0"/>
+          </a:p>
+          <a:p>
+            <a:endParaRPr kumimoji="1" lang="en-US" altLang="zh-CN" sz="2400" dirty="0"/>
+          </a:p>
+          <a:p>
+            <a:pPr marL="342900" indent="-342900">
+              <a:buFont typeface="Wingdings" charset="2"/>
+              <a:buChar char="u"/>
+            </a:pPr>
+            <a:r>
+              <a:rPr kumimoji="1" lang="zh-CN" altLang="en-US" sz="2400" dirty="0"/>
+              <a:t>如果分类和原来类出现同名的方法</a:t>
+            </a:r>
+            <a:r>
+              <a:rPr kumimoji="1" lang="en-US" altLang="zh-CN" sz="2400" dirty="0"/>
+              <a:t>,</a:t>
+            </a:r>
+            <a:r>
+              <a:rPr kumimoji="1" lang="zh-CN" altLang="en-US" sz="2400" dirty="0"/>
+              <a:t> 优先调用分类中的方法</a:t>
+            </a:r>
+            <a:r>
+              <a:rPr kumimoji="1" lang="en-US" altLang="zh-CN" sz="2400" dirty="0"/>
+              <a:t>,</a:t>
+            </a:r>
+            <a:r>
+              <a:rPr kumimoji="1" lang="zh-CN" altLang="en-US" sz="2400" dirty="0"/>
+              <a:t> 原来类中的方法会被忽略</a:t>
+            </a:r>
+            <a:endParaRPr kumimoji="1" lang="en-US" altLang="zh-CN" sz="2400" dirty="0"/>
+          </a:p>
+          <a:p>
+            <a:endParaRPr kumimoji="1" lang="en-US" altLang="zh-CN" sz="2400" dirty="0"/>
+          </a:p>
+          <a:p>
+            <a:pPr marL="342900" indent="-342900">
+              <a:buFont typeface="Wingdings" charset="2"/>
+              <a:buChar char="u"/>
+            </a:pPr>
+            <a:r>
+              <a:rPr kumimoji="1" lang="zh-CN" altLang="en-US" sz="2400" dirty="0"/>
+              <a:t>方法调用的优先级</a:t>
+            </a:r>
+            <a:r>
+              <a:rPr kumimoji="1" lang="en-US" altLang="zh-CN" sz="2400" dirty="0"/>
+              <a:t>(</a:t>
+            </a:r>
+            <a:r>
+              <a:rPr kumimoji="1" lang="zh-CN" altLang="en-US" sz="2400" dirty="0"/>
+              <a:t>从高到低</a:t>
+            </a:r>
+            <a:r>
+              <a:rPr kumimoji="1" lang="en-US" altLang="zh-CN" sz="2400" dirty="0"/>
+              <a:t>)</a:t>
+            </a:r>
+          </a:p>
+          <a:p>
+            <a:pPr marL="342900" indent="-342900">
+              <a:buFont typeface="Wingdings" charset="2"/>
+              <a:buChar char="Ø"/>
+            </a:pPr>
+            <a:r>
+              <a:rPr kumimoji="1" lang="zh-CN" altLang="en-US" sz="2400" dirty="0" smtClean="0"/>
+              <a:t>分类</a:t>
+            </a:r>
+            <a:r>
+              <a:rPr kumimoji="1" lang="en-US" altLang="zh-CN" sz="2400" dirty="0" smtClean="0"/>
+              <a:t>(</a:t>
+            </a:r>
+            <a:r>
+              <a:rPr kumimoji="1" lang="zh-CN" altLang="en-US" sz="2400" dirty="0" smtClean="0"/>
+              <a:t>最后参与编译的分类优先</a:t>
+            </a:r>
+            <a:r>
+              <a:rPr kumimoji="1" lang="en-US" altLang="zh-CN" sz="2400" dirty="0" smtClean="0"/>
+              <a:t>)</a:t>
+            </a:r>
+          </a:p>
+          <a:p>
+            <a:pPr marL="342900" indent="-342900">
+              <a:buFont typeface="Wingdings" charset="2"/>
+              <a:buChar char="Ø"/>
+            </a:pPr>
+            <a:r>
+              <a:rPr kumimoji="1" lang="zh-CN" altLang="en-US" sz="2400" dirty="0" smtClean="0"/>
+              <a:t>原来类</a:t>
+            </a:r>
+            <a:endParaRPr kumimoji="1" lang="en-US" altLang="zh-CN" sz="2400" dirty="0"/>
+          </a:p>
+          <a:p>
+            <a:pPr marL="342900" indent="-342900">
+              <a:buFont typeface="Wingdings" charset="2"/>
+              <a:buChar char="Ø"/>
+            </a:pPr>
+            <a:r>
+              <a:rPr kumimoji="1" lang="zh-CN" altLang="en-US" sz="2400" dirty="0"/>
+              <a:t>父类</a:t>
+            </a:r>
+            <a:endParaRPr kumimoji="1" lang="en-US" altLang="zh-CN" sz="2400" dirty="0"/>
+          </a:p>
+        </p:txBody>
+      </p:sp>
+    </p:spTree>
+    <p:extLst>
+      <p:ext uri="{BB962C8B-B14F-4D97-AF65-F5344CB8AC3E}">
+        <p14:creationId xmlns:p14="http://schemas.microsoft.com/office/powerpoint/2010/main" val="396911661"/>
+      </p:ext>
+    </p:extLst>
+  </p:cSld>
+  <p:clrMapOvr>
+    <a:masterClrMapping/>
+  </p:clrMapOvr>
+  <p:timing>
+    <p:tnLst>
+      <p:par>
+        <p:cTn xmlns:p14="http://schemas.microsoft.com/office/powerpoint/2010/main" id="1" dur="indefinite" restart="never" nodeType="tmRoot"/>
+      </p:par>
+    </p:tnLst>
+  </p:timing>
+</p:sld>
+</file>
+
+<file path=ppt/slides/slide7.xml><?xml version="1.0" encoding="utf-8"?>
+<p:sld xmlns:a="http://schemas.openxmlformats.org/drawingml/2006/main" xmlns:r="http://schemas.openxmlformats.org/officeDocument/2006/relationships" xmlns:p="http://schemas.openxmlformats.org/presentationml/2006/main">
+  <p:cSld>
+    <p:spTree>
+      <p:nvGrpSpPr>
+        <p:cNvPr id="1" name=""/>
+        <p:cNvGrpSpPr/>
+        <p:nvPr/>
+      </p:nvGrpSpPr>
+      <p:grpSpPr>
+        <a:xfrm>
+          <a:off x="0" y="0"/>
+          <a:ext cx="0" cy="0"/>
+          <a:chOff x="0" y="0"/>
+          <a:chExt cx="0" cy="0"/>
+        </a:xfrm>
+      </p:grpSpPr>
+      <p:sp>
+        <p:nvSpPr>
+          <p:cNvPr id="2" name="标题 1"/>
+          <p:cNvSpPr>
+            <a:spLocks noGrp="1"/>
+          </p:cNvSpPr>
+          <p:nvPr>
+            <p:ph type="title"/>
+          </p:nvPr>
+        </p:nvSpPr>
+        <p:spPr/>
+        <p:txBody>
+          <a:bodyPr/>
+          <a:lstStyle/>
+          <a:p>
+            <a:r>
+              <a:rPr kumimoji="1" lang="zh-CN" altLang="en-US" dirty="0"/>
+              <a:t>价值所在</a:t>
+            </a:r>
+            <a:endParaRPr kumimoji="1" lang="zh-CN" altLang="en-US" dirty="0"/>
+          </a:p>
+        </p:txBody>
+      </p:sp>
+      <p:sp>
+        <p:nvSpPr>
+          <p:cNvPr id="3" name="幻灯片编号占位符 2"/>
+          <p:cNvSpPr>
+            <a:spLocks noGrp="1"/>
+          </p:cNvSpPr>
+          <p:nvPr>
+            <p:ph type="sldNum" sz="quarter" idx="4"/>
+          </p:nvPr>
+        </p:nvSpPr>
+        <p:spPr/>
+        <p:txBody>
+          <a:bodyPr/>
+          <a:lstStyle/>
+          <a:p>
+            <a:fld id="{BF10DB53-D7D3-4DB6-A29F-40217B92EC88}" type="slidenum">
+              <a:rPr lang="en-US" smtClean="0"/>
+              <a:pPr/>
+              <a:t>6</a:t>
+            </a:fld>
+            <a:endParaRPr lang="en-US" dirty="0"/>
+          </a:p>
+        </p:txBody>
+      </p:sp>
+      <p:sp>
+        <p:nvSpPr>
+          <p:cNvPr id="5" name="文本框 4"/>
+          <p:cNvSpPr txBox="1"/>
+          <p:nvPr/>
+        </p:nvSpPr>
+        <p:spPr>
+          <a:xfrm>
+            <a:off x="251520" y="1556792"/>
+            <a:ext cx="8352928" cy="3046988"/>
+          </a:xfrm>
+          <a:prstGeom prst="rect">
+            <a:avLst/>
+          </a:prstGeom>
+          <a:noFill/>
+        </p:spPr>
+        <p:txBody>
+          <a:bodyPr wrap="square" rtlCol="0">
+            <a:spAutoFit/>
+          </a:bodyPr>
+          <a:lstStyle/>
+          <a:p>
+            <a:pPr marL="342900" indent="-342900">
+              <a:buFont typeface="Wingdings" charset="2"/>
+              <a:buChar char="u"/>
+            </a:pPr>
+            <a:r>
+              <a:rPr kumimoji="1" lang="zh-CN" altLang="en-US" sz="2400" dirty="0"/>
+              <a:t>实现了类的相关方法的模块化</a:t>
+            </a:r>
+            <a:endParaRPr kumimoji="1" lang="en-US" altLang="zh-CN" sz="2400" dirty="0"/>
+          </a:p>
+          <a:p>
+            <a:pPr>
+              <a:buFont typeface="Wingdings" charset="2"/>
+              <a:buChar char="Ø"/>
+            </a:pPr>
+            <a:r>
+              <a:rPr kumimoji="1" lang="zh-CN" altLang="en-US" sz="2400" dirty="0"/>
+              <a:t>把不同的方法分配到了不同的分类文件中</a:t>
+            </a:r>
+            <a:endParaRPr kumimoji="1" lang="en-US" altLang="zh-CN" sz="2400" dirty="0"/>
+          </a:p>
+          <a:p>
+            <a:pPr>
+              <a:buFont typeface="Wingdings" charset="2"/>
+              <a:buChar char="Ø"/>
+            </a:pPr>
+            <a:r>
+              <a:rPr kumimoji="1" lang="zh-CN" altLang="en-US" sz="2400" dirty="0"/>
+              <a:t>可以用一个分类来代表一类功能</a:t>
+            </a:r>
+            <a:r>
+              <a:rPr kumimoji="1" lang="en-US" altLang="zh-CN" sz="2400" dirty="0"/>
+              <a:t>(</a:t>
+            </a:r>
+            <a:r>
+              <a:rPr kumimoji="1" lang="zh-CN" altLang="en-US" sz="2400" dirty="0"/>
+              <a:t>一个模块</a:t>
+            </a:r>
+            <a:r>
+              <a:rPr kumimoji="1" lang="en-US" altLang="zh-CN" sz="2400" dirty="0"/>
+              <a:t>)</a:t>
+            </a:r>
+          </a:p>
+          <a:p>
+            <a:pPr>
+              <a:buFont typeface="Wingdings" charset="2"/>
+              <a:buChar char="Ø"/>
+            </a:pPr>
+            <a:endParaRPr kumimoji="1" lang="en-US" altLang="zh-CN" sz="2400" dirty="0"/>
+          </a:p>
+          <a:p>
+            <a:pPr marL="342900" indent="-342900">
+              <a:buFont typeface="Wingdings" charset="2"/>
+              <a:buChar char="u"/>
+            </a:pPr>
+            <a:r>
+              <a:rPr kumimoji="1" lang="zh-CN" altLang="en-US" sz="2400" dirty="0"/>
+              <a:t>支持团队协作</a:t>
+            </a:r>
+            <a:endParaRPr kumimoji="1" lang="en-US" altLang="zh-CN" sz="2400" dirty="0"/>
+          </a:p>
+          <a:p>
+            <a:pPr>
+              <a:buFont typeface="Wingdings" charset="2"/>
+              <a:buChar char="Ø"/>
+            </a:pPr>
+            <a:r>
+              <a:rPr kumimoji="1" lang="zh-CN" altLang="en-US" sz="2400" dirty="0"/>
+              <a:t>可以让团队内部的不同成员 共同扩充某个类的功能</a:t>
+            </a:r>
+            <a:endParaRPr kumimoji="1" lang="en-US" altLang="zh-CN" sz="2400" dirty="0"/>
+          </a:p>
+          <a:p>
+            <a:pPr>
+              <a:buFont typeface="Wingdings" charset="2"/>
+              <a:buChar char="Ø"/>
+            </a:pPr>
+            <a:endParaRPr kumimoji="1" lang="en-US" altLang="zh-CN" sz="2400" dirty="0"/>
+          </a:p>
+          <a:p>
+            <a:pPr marL="342900" indent="-342900">
+              <a:buFont typeface="Wingdings" charset="2"/>
+              <a:buChar char="u"/>
+            </a:pPr>
+            <a:r>
+              <a:rPr kumimoji="1" lang="zh-CN" altLang="en-US" sz="2400" dirty="0"/>
+              <a:t>可以为系统自带的类扩充功能</a:t>
+            </a:r>
+            <a:endParaRPr kumimoji="1" lang="en-US" altLang="zh-CN" sz="2400" dirty="0"/>
+          </a:p>
+        </p:txBody>
+      </p:sp>
+    </p:spTree>
+    <p:extLst>
+      <p:ext uri="{BB962C8B-B14F-4D97-AF65-F5344CB8AC3E}">
+        <p14:creationId xmlns:p14="http://schemas.microsoft.com/office/powerpoint/2010/main" val="3566729015"/>
+      </p:ext>
+    </p:extLst>
+  </p:cSld>
+  <p:clrMapOvr>
+    <a:masterClrMapping/>
+  </p:clrMapOvr>
+  <p:timing>
+    <p:tnLst>
+      <p:par>
+        <p:cTn xmlns:p14="http://schemas.microsoft.com/office/powerpoint/2010/main" id="1" dur="indefinite" restart="never" nodeType="tmRoot"/>
+      </p:par>
+    </p:tnLst>
+  </p:timing>
+</p:sld>
+</file>
+
+<file path=ppt/slides/slide8.xml><?xml version="1.0" encoding="utf-8"?>
+<p:sld xmlns:a="http://schemas.openxmlformats.org/drawingml/2006/main" xmlns:r="http://schemas.openxmlformats.org/officeDocument/2006/relationships" xmlns:p="http://schemas.openxmlformats.org/presentationml/2006/main">
+  <p:cSld>
+    <p:spTree>
+      <p:nvGrpSpPr>
+        <p:cNvPr id="1" name=""/>
+        <p:cNvGrpSpPr/>
+        <p:nvPr/>
+      </p:nvGrpSpPr>
+      <p:grpSpPr>
+        <a:xfrm>
+          <a:off x="0" y="0"/>
+          <a:ext cx="0" cy="0"/>
+          <a:chOff x="0" y="0"/>
+          <a:chExt cx="0" cy="0"/>
+        </a:xfrm>
+      </p:grpSpPr>
+      <p:sp>
+        <p:nvSpPr>
+          <p:cNvPr id="2" name="标题 1"/>
+          <p:cNvSpPr>
+            <a:spLocks noGrp="1"/>
+          </p:cNvSpPr>
+          <p:nvPr>
+            <p:ph type="title"/>
+          </p:nvPr>
+        </p:nvSpPr>
+        <p:spPr/>
+        <p:txBody>
+          <a:bodyPr/>
+          <a:lstStyle/>
+          <a:p>
+            <a:r>
+              <a:rPr kumimoji="1" lang="zh-CN" altLang="en-US" dirty="0"/>
+              <a:t>类扩展</a:t>
+            </a:r>
+            <a:endParaRPr kumimoji="1" lang="zh-CN" altLang="en-US" dirty="0"/>
+          </a:p>
+        </p:txBody>
+      </p:sp>
+      <p:sp>
+        <p:nvSpPr>
+          <p:cNvPr id="3" name="幻灯片编号占位符 2"/>
+          <p:cNvSpPr>
+            <a:spLocks noGrp="1"/>
+          </p:cNvSpPr>
+          <p:nvPr>
+            <p:ph type="sldNum" sz="quarter" idx="4"/>
+          </p:nvPr>
+        </p:nvSpPr>
+        <p:spPr/>
+        <p:txBody>
+          <a:bodyPr/>
+          <a:lstStyle/>
+          <a:p>
+            <a:fld id="{BF10DB53-D7D3-4DB6-A29F-40217B92EC88}" type="slidenum">
+              <a:rPr lang="en-US" smtClean="0"/>
+              <a:pPr/>
+              <a:t>7</a:t>
+            </a:fld>
+            <a:endParaRPr lang="en-US" dirty="0"/>
+          </a:p>
+        </p:txBody>
+      </p:sp>
+      <p:sp>
+        <p:nvSpPr>
+          <p:cNvPr id="5" name="文本框 4"/>
+          <p:cNvSpPr txBox="1"/>
+          <p:nvPr/>
+        </p:nvSpPr>
+        <p:spPr>
+          <a:xfrm>
+            <a:off x="251520" y="1556792"/>
+            <a:ext cx="8352928" cy="4154983"/>
+          </a:xfrm>
+          <a:prstGeom prst="rect">
+            <a:avLst/>
+          </a:prstGeom>
+          <a:noFill/>
+        </p:spPr>
+        <p:txBody>
+          <a:bodyPr wrap="square" rtlCol="0">
+            <a:spAutoFit/>
+          </a:bodyPr>
+          <a:lstStyle/>
+          <a:p>
+            <a:pPr marL="342900" indent="-342900">
+              <a:buFont typeface="Wingdings" charset="2"/>
+              <a:buChar char="u"/>
+            </a:pPr>
+            <a:r>
+              <a:rPr kumimoji="1" lang="zh-CN" altLang="en-US" sz="2400" dirty="0"/>
+              <a:t>什么是类扩展</a:t>
+            </a:r>
+            <a:endParaRPr kumimoji="1" lang="en-US" altLang="zh-CN" sz="2400" dirty="0"/>
+          </a:p>
+          <a:p>
+            <a:pPr>
+              <a:buFont typeface="Wingdings" charset="2"/>
+              <a:buChar char="Ø"/>
+            </a:pPr>
+            <a:r>
+              <a:rPr kumimoji="1" lang="zh-CN" altLang="en-US" sz="2400" dirty="0"/>
+              <a:t>可以为某个类扩充一些私有的成员变量和方法</a:t>
+            </a:r>
+            <a:endParaRPr kumimoji="1" lang="en-US" altLang="zh-CN" sz="2400" dirty="0"/>
+          </a:p>
+          <a:p>
+            <a:pPr>
+              <a:buFont typeface="Wingdings" charset="2"/>
+              <a:buChar char="Ø"/>
+            </a:pPr>
+            <a:r>
+              <a:rPr kumimoji="1" lang="zh-CN" altLang="en-US" sz="2400" dirty="0"/>
+              <a:t>写在</a:t>
+            </a:r>
+            <a:r>
+              <a:rPr kumimoji="1" lang="en-US" altLang="zh-CN" sz="2400" dirty="0"/>
+              <a:t>.m</a:t>
+            </a:r>
+            <a:r>
+              <a:rPr kumimoji="1" lang="zh-CN" altLang="en-US" sz="2400" dirty="0"/>
+              <a:t>文件中</a:t>
+            </a:r>
+            <a:endParaRPr kumimoji="1" lang="en-US" altLang="zh-CN" sz="2400" dirty="0"/>
+          </a:p>
+          <a:p>
+            <a:pPr>
+              <a:buFont typeface="Wingdings" charset="2"/>
+              <a:buChar char="Ø"/>
+            </a:pPr>
+            <a:r>
+              <a:rPr kumimoji="1" lang="zh-CN" altLang="en-US" sz="2400" dirty="0"/>
+              <a:t>英文名是</a:t>
+            </a:r>
+            <a:r>
+              <a:rPr kumimoji="1" lang="en-US" altLang="zh-CN" sz="2400" dirty="0"/>
+              <a:t>Class</a:t>
+            </a:r>
+            <a:r>
+              <a:rPr kumimoji="1" lang="zh-CN" altLang="en-US" sz="2400" dirty="0"/>
+              <a:t> </a:t>
+            </a:r>
+            <a:r>
+              <a:rPr kumimoji="1" lang="en-US" altLang="zh-CN" sz="2400" dirty="0"/>
+              <a:t>Extension</a:t>
+            </a:r>
+          </a:p>
+          <a:p>
+            <a:pPr>
+              <a:buFont typeface="Wingdings" charset="2"/>
+              <a:buChar char="Ø"/>
+            </a:pPr>
+            <a:endParaRPr kumimoji="1" lang="en-US" altLang="zh-CN" sz="2400" dirty="0"/>
+          </a:p>
+          <a:p>
+            <a:r>
+              <a:rPr kumimoji="1" lang="zh-CN" altLang="en-US" sz="2400" dirty="0"/>
+              <a:t>书写格式</a:t>
+            </a:r>
+            <a:endParaRPr kumimoji="1" lang="en-US" altLang="zh-CN" sz="2400" dirty="0"/>
+          </a:p>
+          <a:p>
+            <a:pPr marL="0" indent="0">
+              <a:buNone/>
+            </a:pPr>
+            <a:r>
+              <a:rPr lang="en-US" altLang="zh-CN" sz="2400" dirty="0">
+                <a:solidFill>
+                  <a:srgbClr val="AA0D91"/>
+                </a:solidFill>
+                <a:latin typeface="Menlo-Regular"/>
+              </a:rPr>
+              <a:t>@interface</a:t>
+            </a:r>
+            <a:r>
+              <a:rPr lang="en-US" altLang="zh-CN" sz="2400" dirty="0">
+                <a:solidFill>
+                  <a:srgbClr val="000000"/>
+                </a:solidFill>
+                <a:latin typeface="Menlo-Regular"/>
+              </a:rPr>
+              <a:t> </a:t>
+            </a:r>
+            <a:r>
+              <a:rPr lang="zh-CN" altLang="en-US" sz="2400" dirty="0">
+                <a:solidFill>
+                  <a:srgbClr val="000000"/>
+                </a:solidFill>
+                <a:latin typeface="Menlo-Regular"/>
+              </a:rPr>
+              <a:t>类名 </a:t>
+            </a:r>
+            <a:r>
+              <a:rPr lang="en-US" altLang="zh-CN" sz="2400" dirty="0">
+                <a:solidFill>
+                  <a:srgbClr val="000000"/>
+                </a:solidFill>
+                <a:latin typeface="Menlo-Regular"/>
+              </a:rPr>
+              <a:t>()</a:t>
+            </a:r>
+          </a:p>
+          <a:p>
+            <a:pPr marL="0" indent="0">
+              <a:buNone/>
+            </a:pPr>
+            <a:r>
+              <a:rPr lang="en-US" altLang="zh-CN" sz="2400" dirty="0">
+                <a:solidFill>
+                  <a:srgbClr val="AA0D91"/>
+                </a:solidFill>
+                <a:latin typeface="Menlo-Regular"/>
+              </a:rPr>
+              <a:t>@end</a:t>
+            </a:r>
+          </a:p>
+          <a:p>
+            <a:pPr marL="0" indent="0">
+              <a:buNone/>
+            </a:pPr>
+            <a:endParaRPr kumimoji="1" lang="en-US" altLang="zh-CN" sz="2400" dirty="0">
+              <a:solidFill>
+                <a:srgbClr val="AA0D91"/>
+              </a:solidFill>
+              <a:latin typeface="Menlo-Regular"/>
+            </a:endParaRPr>
+          </a:p>
+          <a:p>
+            <a:pPr marL="342900" indent="-342900">
+              <a:buFont typeface="Wingdings" charset="2"/>
+              <a:buChar char="u"/>
+            </a:pPr>
+            <a:r>
+              <a:rPr kumimoji="1" lang="zh-CN" altLang="en-US" sz="2400" dirty="0"/>
+              <a:t>对比分类</a:t>
+            </a:r>
+            <a:r>
+              <a:rPr kumimoji="1" lang="en-US" altLang="zh-CN" sz="2400" dirty="0"/>
+              <a:t>,</a:t>
+            </a:r>
+            <a:r>
+              <a:rPr kumimoji="1" lang="zh-CN" altLang="en-US" sz="2400" dirty="0"/>
+              <a:t> 就少了一个分类名称</a:t>
+            </a:r>
+            <a:r>
+              <a:rPr kumimoji="1" lang="en-US" altLang="zh-CN" sz="2400" dirty="0"/>
+              <a:t>,</a:t>
+            </a:r>
+            <a:r>
+              <a:rPr kumimoji="1" lang="zh-CN" altLang="en-US" sz="2400" dirty="0"/>
+              <a:t> 因此也有人称它为</a:t>
+            </a:r>
+            <a:r>
+              <a:rPr kumimoji="1" lang="en-US" altLang="zh-CN" sz="2400" dirty="0"/>
+              <a:t>”</a:t>
+            </a:r>
+            <a:r>
+              <a:rPr kumimoji="1" lang="zh-CN" altLang="en-US" sz="2400" dirty="0"/>
+              <a:t>匿名分类</a:t>
+            </a:r>
+            <a:r>
+              <a:rPr kumimoji="1" lang="en-US" altLang="zh-CN" sz="2400" dirty="0"/>
+              <a:t>”</a:t>
+            </a:r>
+            <a:endParaRPr kumimoji="1" lang="en-US" altLang="zh-CN" sz="2400" dirty="0"/>
+          </a:p>
+        </p:txBody>
+      </p:sp>
+    </p:spTree>
+    <p:extLst>
+      <p:ext uri="{BB962C8B-B14F-4D97-AF65-F5344CB8AC3E}">
+        <p14:creationId xmlns:p14="http://schemas.microsoft.com/office/powerpoint/2010/main" val="618277349"/>
       </p:ext>
     </p:extLst>
   </p:cSld>
